--- a/Advance/10. DevOps Kubernetes实践与理念.pptx
+++ b/Advance/10. DevOps Kubernetes实践与理念.pptx
@@ -5,14 +5,14 @@
     <p:sldMasterId id="2147483648" r:id="rId1"/>
   </p:sldMasterIdLst>
   <p:sldIdLst>
-    <p:sldId id="256" r:id="rId3"/>
-    <p:sldId id="257" r:id="rId4"/>
-    <p:sldId id="258" r:id="rId5"/>
-    <p:sldId id="259" r:id="rId6"/>
-    <p:sldId id="260" r:id="rId7"/>
-    <p:sldId id="261" r:id="rId8"/>
-    <p:sldId id="262" r:id="rId9"/>
-    <p:sldId id="263" r:id="rId10"/>
+    <p:sldId id="256" r:id="rId2"/>
+    <p:sldId id="257" r:id="rId3"/>
+    <p:sldId id="258" r:id="rId4"/>
+    <p:sldId id="259" r:id="rId5"/>
+    <p:sldId id="260" r:id="rId6"/>
+    <p:sldId id="261" r:id="rId7"/>
+    <p:sldId id="262" r:id="rId8"/>
+    <p:sldId id="263" r:id="rId9"/>
   </p:sldIdLst>
   <p:sldSz cx="12192000" cy="6858000"/>
   <p:notesSz cx="6858000" cy="9144000"/>
@@ -111,6 +111,11 @@
       </a:defRPr>
     </a:lvl9pPr>
   </p:defaultTextStyle>
+  <p:extLst>
+    <p:ext uri="{EFAFB233-063F-42B5-8137-9DF3F51BA10A}">
+      <p15:sldGuideLst xmlns:p15="http://schemas.microsoft.com/office/powerpoint/2012/main"/>
+    </p:ext>
+  </p:extLst>
 </p:presentation>
 </file>
 
@@ -159,7 +164,6 @@
               <a:rPr lang="zh-CN" altLang="en-US"/>
               <a:t>单击此处编辑母版标题样式</a:t>
             </a:r>
-            <a:endParaRPr lang="zh-CN" altLang="en-US"/>
           </a:p>
         </p:txBody>
       </p:sp>
@@ -224,7 +228,6 @@
               <a:rPr lang="zh-CN" altLang="en-US"/>
               <a:t>单击此处编辑母版副标题样式</a:t>
             </a:r>
-            <a:endParaRPr lang="zh-CN" altLang="en-US"/>
           </a:p>
         </p:txBody>
       </p:sp>
@@ -245,6 +248,7 @@
           <a:p>
             <a:fld id="{8167D3D9-1A35-4DE7-8996-AEB1EFFF9604}" type="datetimeFigureOut">
               <a:rPr lang="zh-CN" altLang="en-US" smtClean="0"/>
+              <a:t>2021/8/2</a:t>
             </a:fld>
             <a:endParaRPr lang="zh-CN" altLang="en-US"/>
           </a:p>
@@ -286,6 +290,7 @@
           <a:p>
             <a:fld id="{BCFD14B3-D21E-4921-A042-FF08C93B11E6}" type="slidenum">
               <a:rPr lang="zh-CN" altLang="en-US" smtClean="0"/>
+              <a:t>‹#›</a:t>
             </a:fld>
             <a:endParaRPr lang="zh-CN" altLang="en-US"/>
           </a:p>
@@ -335,7 +340,6 @@
               <a:rPr lang="zh-CN" altLang="en-US"/>
               <a:t>单击此处编辑母版标题样式</a:t>
             </a:r>
-            <a:endParaRPr lang="zh-CN" altLang="en-US"/>
           </a:p>
         </p:txBody>
       </p:sp>
@@ -359,7 +363,6 @@
               <a:rPr lang="zh-CN" altLang="en-US"/>
               <a:t>单击此处编辑母版文本样式</a:t>
             </a:r>
-            <a:endParaRPr lang="zh-CN" altLang="en-US"/>
           </a:p>
           <a:p>
             <a:pPr lvl="1"/>
@@ -367,7 +370,6 @@
               <a:rPr lang="zh-CN" altLang="en-US"/>
               <a:t>二级</a:t>
             </a:r>
-            <a:endParaRPr lang="zh-CN" altLang="en-US"/>
           </a:p>
           <a:p>
             <a:pPr lvl="2"/>
@@ -375,7 +377,6 @@
               <a:rPr lang="zh-CN" altLang="en-US"/>
               <a:t>三级</a:t>
             </a:r>
-            <a:endParaRPr lang="zh-CN" altLang="en-US"/>
           </a:p>
           <a:p>
             <a:pPr lvl="3"/>
@@ -383,7 +384,6 @@
               <a:rPr lang="zh-CN" altLang="en-US"/>
               <a:t>四级</a:t>
             </a:r>
-            <a:endParaRPr lang="zh-CN" altLang="en-US"/>
           </a:p>
           <a:p>
             <a:pPr lvl="4"/>
@@ -391,7 +391,6 @@
               <a:rPr lang="zh-CN" altLang="en-US"/>
               <a:t>五级</a:t>
             </a:r>
-            <a:endParaRPr lang="zh-CN" altLang="en-US"/>
           </a:p>
         </p:txBody>
       </p:sp>
@@ -412,6 +411,7 @@
           <a:p>
             <a:fld id="{8167D3D9-1A35-4DE7-8996-AEB1EFFF9604}" type="datetimeFigureOut">
               <a:rPr lang="zh-CN" altLang="en-US" smtClean="0"/>
+              <a:t>2021/8/2</a:t>
             </a:fld>
             <a:endParaRPr lang="zh-CN" altLang="en-US"/>
           </a:p>
@@ -453,6 +453,7 @@
           <a:p>
             <a:fld id="{BCFD14B3-D21E-4921-A042-FF08C93B11E6}" type="slidenum">
               <a:rPr lang="zh-CN" altLang="en-US" smtClean="0"/>
+              <a:t>‹#›</a:t>
             </a:fld>
             <a:endParaRPr lang="zh-CN" altLang="en-US"/>
           </a:p>
@@ -507,7 +508,6 @@
               <a:rPr lang="zh-CN" altLang="en-US"/>
               <a:t>单击此处编辑母版标题样式</a:t>
             </a:r>
-            <a:endParaRPr lang="zh-CN" altLang="en-US"/>
           </a:p>
         </p:txBody>
       </p:sp>
@@ -536,7 +536,6 @@
               <a:rPr lang="zh-CN" altLang="en-US"/>
               <a:t>单击此处编辑母版文本样式</a:t>
             </a:r>
-            <a:endParaRPr lang="zh-CN" altLang="en-US"/>
           </a:p>
           <a:p>
             <a:pPr lvl="1"/>
@@ -544,7 +543,6 @@
               <a:rPr lang="zh-CN" altLang="en-US"/>
               <a:t>二级</a:t>
             </a:r>
-            <a:endParaRPr lang="zh-CN" altLang="en-US"/>
           </a:p>
           <a:p>
             <a:pPr lvl="2"/>
@@ -552,7 +550,6 @@
               <a:rPr lang="zh-CN" altLang="en-US"/>
               <a:t>三级</a:t>
             </a:r>
-            <a:endParaRPr lang="zh-CN" altLang="en-US"/>
           </a:p>
           <a:p>
             <a:pPr lvl="3"/>
@@ -560,7 +557,6 @@
               <a:rPr lang="zh-CN" altLang="en-US"/>
               <a:t>四级</a:t>
             </a:r>
-            <a:endParaRPr lang="zh-CN" altLang="en-US"/>
           </a:p>
           <a:p>
             <a:pPr lvl="4"/>
@@ -568,7 +564,6 @@
               <a:rPr lang="zh-CN" altLang="en-US"/>
               <a:t>五级</a:t>
             </a:r>
-            <a:endParaRPr lang="zh-CN" altLang="en-US"/>
           </a:p>
         </p:txBody>
       </p:sp>
@@ -589,6 +584,7 @@
           <a:p>
             <a:fld id="{8167D3D9-1A35-4DE7-8996-AEB1EFFF9604}" type="datetimeFigureOut">
               <a:rPr lang="zh-CN" altLang="en-US" smtClean="0"/>
+              <a:t>2021/8/2</a:t>
             </a:fld>
             <a:endParaRPr lang="zh-CN" altLang="en-US"/>
           </a:p>
@@ -630,6 +626,7 @@
           <a:p>
             <a:fld id="{BCFD14B3-D21E-4921-A042-FF08C93B11E6}" type="slidenum">
               <a:rPr lang="zh-CN" altLang="en-US" smtClean="0"/>
+              <a:t>‹#›</a:t>
             </a:fld>
             <a:endParaRPr lang="zh-CN" altLang="en-US"/>
           </a:p>
@@ -679,7 +676,6 @@
               <a:rPr lang="zh-CN" altLang="en-US"/>
               <a:t>单击此处编辑母版标题样式</a:t>
             </a:r>
-            <a:endParaRPr lang="zh-CN" altLang="en-US"/>
           </a:p>
         </p:txBody>
       </p:sp>
@@ -703,7 +699,6 @@
               <a:rPr lang="zh-CN" altLang="en-US"/>
               <a:t>单击此处编辑母版文本样式</a:t>
             </a:r>
-            <a:endParaRPr lang="zh-CN" altLang="en-US"/>
           </a:p>
           <a:p>
             <a:pPr lvl="1"/>
@@ -711,7 +706,6 @@
               <a:rPr lang="zh-CN" altLang="en-US"/>
               <a:t>二级</a:t>
             </a:r>
-            <a:endParaRPr lang="zh-CN" altLang="en-US"/>
           </a:p>
           <a:p>
             <a:pPr lvl="2"/>
@@ -719,7 +713,6 @@
               <a:rPr lang="zh-CN" altLang="en-US"/>
               <a:t>三级</a:t>
             </a:r>
-            <a:endParaRPr lang="zh-CN" altLang="en-US"/>
           </a:p>
           <a:p>
             <a:pPr lvl="3"/>
@@ -727,7 +720,6 @@
               <a:rPr lang="zh-CN" altLang="en-US"/>
               <a:t>四级</a:t>
             </a:r>
-            <a:endParaRPr lang="zh-CN" altLang="en-US"/>
           </a:p>
           <a:p>
             <a:pPr lvl="4"/>
@@ -735,7 +727,6 @@
               <a:rPr lang="zh-CN" altLang="en-US"/>
               <a:t>五级</a:t>
             </a:r>
-            <a:endParaRPr lang="zh-CN" altLang="en-US"/>
           </a:p>
         </p:txBody>
       </p:sp>
@@ -756,6 +747,7 @@
           <a:p>
             <a:fld id="{8167D3D9-1A35-4DE7-8996-AEB1EFFF9604}" type="datetimeFigureOut">
               <a:rPr lang="zh-CN" altLang="en-US" smtClean="0"/>
+              <a:t>2021/8/2</a:t>
             </a:fld>
             <a:endParaRPr lang="zh-CN" altLang="en-US"/>
           </a:p>
@@ -797,6 +789,7 @@
           <a:p>
             <a:fld id="{BCFD14B3-D21E-4921-A042-FF08C93B11E6}" type="slidenum">
               <a:rPr lang="zh-CN" altLang="en-US" smtClean="0"/>
+              <a:t>‹#›</a:t>
             </a:fld>
             <a:endParaRPr lang="zh-CN" altLang="en-US"/>
           </a:p>
@@ -855,7 +848,6 @@
               <a:rPr lang="zh-CN" altLang="en-US"/>
               <a:t>单击此处编辑母版标题样式</a:t>
             </a:r>
-            <a:endParaRPr lang="zh-CN" altLang="en-US"/>
           </a:p>
         </p:txBody>
       </p:sp>
@@ -975,7 +967,6 @@
               <a:rPr lang="zh-CN" altLang="en-US"/>
               <a:t>单击此处编辑母版文本样式</a:t>
             </a:r>
-            <a:endParaRPr lang="zh-CN" altLang="en-US"/>
           </a:p>
         </p:txBody>
       </p:sp>
@@ -996,6 +987,7 @@
           <a:p>
             <a:fld id="{8167D3D9-1A35-4DE7-8996-AEB1EFFF9604}" type="datetimeFigureOut">
               <a:rPr lang="zh-CN" altLang="en-US" smtClean="0"/>
+              <a:t>2021/8/2</a:t>
             </a:fld>
             <a:endParaRPr lang="zh-CN" altLang="en-US"/>
           </a:p>
@@ -1037,6 +1029,7 @@
           <a:p>
             <a:fld id="{BCFD14B3-D21E-4921-A042-FF08C93B11E6}" type="slidenum">
               <a:rPr lang="zh-CN" altLang="en-US" smtClean="0"/>
+              <a:t>‹#›</a:t>
             </a:fld>
             <a:endParaRPr lang="zh-CN" altLang="en-US"/>
           </a:p>
@@ -1086,7 +1079,6 @@
               <a:rPr lang="zh-CN" altLang="en-US"/>
               <a:t>单击此处编辑母版标题样式</a:t>
             </a:r>
-            <a:endParaRPr lang="zh-CN" altLang="en-US"/>
           </a:p>
         </p:txBody>
       </p:sp>
@@ -1115,7 +1107,6 @@
               <a:rPr lang="zh-CN" altLang="en-US"/>
               <a:t>单击此处编辑母版文本样式</a:t>
             </a:r>
-            <a:endParaRPr lang="zh-CN" altLang="en-US"/>
           </a:p>
           <a:p>
             <a:pPr lvl="1"/>
@@ -1123,7 +1114,6 @@
               <a:rPr lang="zh-CN" altLang="en-US"/>
               <a:t>二级</a:t>
             </a:r>
-            <a:endParaRPr lang="zh-CN" altLang="en-US"/>
           </a:p>
           <a:p>
             <a:pPr lvl="2"/>
@@ -1131,7 +1121,6 @@
               <a:rPr lang="zh-CN" altLang="en-US"/>
               <a:t>三级</a:t>
             </a:r>
-            <a:endParaRPr lang="zh-CN" altLang="en-US"/>
           </a:p>
           <a:p>
             <a:pPr lvl="3"/>
@@ -1139,7 +1128,6 @@
               <a:rPr lang="zh-CN" altLang="en-US"/>
               <a:t>四级</a:t>
             </a:r>
-            <a:endParaRPr lang="zh-CN" altLang="en-US"/>
           </a:p>
           <a:p>
             <a:pPr lvl="4"/>
@@ -1147,7 +1135,6 @@
               <a:rPr lang="zh-CN" altLang="en-US"/>
               <a:t>五级</a:t>
             </a:r>
-            <a:endParaRPr lang="zh-CN" altLang="en-US"/>
           </a:p>
         </p:txBody>
       </p:sp>
@@ -1176,7 +1163,6 @@
               <a:rPr lang="zh-CN" altLang="en-US"/>
               <a:t>单击此处编辑母版文本样式</a:t>
             </a:r>
-            <a:endParaRPr lang="zh-CN" altLang="en-US"/>
           </a:p>
           <a:p>
             <a:pPr lvl="1"/>
@@ -1184,7 +1170,6 @@
               <a:rPr lang="zh-CN" altLang="en-US"/>
               <a:t>二级</a:t>
             </a:r>
-            <a:endParaRPr lang="zh-CN" altLang="en-US"/>
           </a:p>
           <a:p>
             <a:pPr lvl="2"/>
@@ -1192,7 +1177,6 @@
               <a:rPr lang="zh-CN" altLang="en-US"/>
               <a:t>三级</a:t>
             </a:r>
-            <a:endParaRPr lang="zh-CN" altLang="en-US"/>
           </a:p>
           <a:p>
             <a:pPr lvl="3"/>
@@ -1200,7 +1184,6 @@
               <a:rPr lang="zh-CN" altLang="en-US"/>
               <a:t>四级</a:t>
             </a:r>
-            <a:endParaRPr lang="zh-CN" altLang="en-US"/>
           </a:p>
           <a:p>
             <a:pPr lvl="4"/>
@@ -1208,7 +1191,6 @@
               <a:rPr lang="zh-CN" altLang="en-US"/>
               <a:t>五级</a:t>
             </a:r>
-            <a:endParaRPr lang="zh-CN" altLang="en-US"/>
           </a:p>
         </p:txBody>
       </p:sp>
@@ -1229,6 +1211,7 @@
           <a:p>
             <a:fld id="{8167D3D9-1A35-4DE7-8996-AEB1EFFF9604}" type="datetimeFigureOut">
               <a:rPr lang="zh-CN" altLang="en-US" smtClean="0"/>
+              <a:t>2021/8/2</a:t>
             </a:fld>
             <a:endParaRPr lang="zh-CN" altLang="en-US"/>
           </a:p>
@@ -1270,6 +1253,7 @@
           <a:p>
             <a:fld id="{BCFD14B3-D21E-4921-A042-FF08C93B11E6}" type="slidenum">
               <a:rPr lang="zh-CN" altLang="en-US" smtClean="0"/>
+              <a:t>‹#›</a:t>
             </a:fld>
             <a:endParaRPr lang="zh-CN" altLang="en-US"/>
           </a:p>
@@ -1324,7 +1308,6 @@
               <a:rPr lang="zh-CN" altLang="en-US"/>
               <a:t>单击此处编辑母版标题样式</a:t>
             </a:r>
-            <a:endParaRPr lang="zh-CN" altLang="en-US"/>
           </a:p>
         </p:txBody>
       </p:sp>
@@ -1390,7 +1373,6 @@
               <a:rPr lang="zh-CN" altLang="en-US"/>
               <a:t>单击此处编辑母版文本样式</a:t>
             </a:r>
-            <a:endParaRPr lang="zh-CN" altLang="en-US"/>
           </a:p>
         </p:txBody>
       </p:sp>
@@ -1419,7 +1401,6 @@
               <a:rPr lang="zh-CN" altLang="en-US"/>
               <a:t>单击此处编辑母版文本样式</a:t>
             </a:r>
-            <a:endParaRPr lang="zh-CN" altLang="en-US"/>
           </a:p>
           <a:p>
             <a:pPr lvl="1"/>
@@ -1427,7 +1408,6 @@
               <a:rPr lang="zh-CN" altLang="en-US"/>
               <a:t>二级</a:t>
             </a:r>
-            <a:endParaRPr lang="zh-CN" altLang="en-US"/>
           </a:p>
           <a:p>
             <a:pPr lvl="2"/>
@@ -1435,7 +1415,6 @@
               <a:rPr lang="zh-CN" altLang="en-US"/>
               <a:t>三级</a:t>
             </a:r>
-            <a:endParaRPr lang="zh-CN" altLang="en-US"/>
           </a:p>
           <a:p>
             <a:pPr lvl="3"/>
@@ -1443,7 +1422,6 @@
               <a:rPr lang="zh-CN" altLang="en-US"/>
               <a:t>四级</a:t>
             </a:r>
-            <a:endParaRPr lang="zh-CN" altLang="en-US"/>
           </a:p>
           <a:p>
             <a:pPr lvl="4"/>
@@ -1451,7 +1429,6 @@
               <a:rPr lang="zh-CN" altLang="en-US"/>
               <a:t>五级</a:t>
             </a:r>
-            <a:endParaRPr lang="zh-CN" altLang="en-US"/>
           </a:p>
         </p:txBody>
       </p:sp>
@@ -1517,7 +1494,6 @@
               <a:rPr lang="zh-CN" altLang="en-US"/>
               <a:t>单击此处编辑母版文本样式</a:t>
             </a:r>
-            <a:endParaRPr lang="zh-CN" altLang="en-US"/>
           </a:p>
         </p:txBody>
       </p:sp>
@@ -1546,7 +1522,6 @@
               <a:rPr lang="zh-CN" altLang="en-US"/>
               <a:t>单击此处编辑母版文本样式</a:t>
             </a:r>
-            <a:endParaRPr lang="zh-CN" altLang="en-US"/>
           </a:p>
           <a:p>
             <a:pPr lvl="1"/>
@@ -1554,7 +1529,6 @@
               <a:rPr lang="zh-CN" altLang="en-US"/>
               <a:t>二级</a:t>
             </a:r>
-            <a:endParaRPr lang="zh-CN" altLang="en-US"/>
           </a:p>
           <a:p>
             <a:pPr lvl="2"/>
@@ -1562,7 +1536,6 @@
               <a:rPr lang="zh-CN" altLang="en-US"/>
               <a:t>三级</a:t>
             </a:r>
-            <a:endParaRPr lang="zh-CN" altLang="en-US"/>
           </a:p>
           <a:p>
             <a:pPr lvl="3"/>
@@ -1570,7 +1543,6 @@
               <a:rPr lang="zh-CN" altLang="en-US"/>
               <a:t>四级</a:t>
             </a:r>
-            <a:endParaRPr lang="zh-CN" altLang="en-US"/>
           </a:p>
           <a:p>
             <a:pPr lvl="4"/>
@@ -1578,7 +1550,6 @@
               <a:rPr lang="zh-CN" altLang="en-US"/>
               <a:t>五级</a:t>
             </a:r>
-            <a:endParaRPr lang="zh-CN" altLang="en-US"/>
           </a:p>
         </p:txBody>
       </p:sp>
@@ -1599,6 +1570,7 @@
           <a:p>
             <a:fld id="{8167D3D9-1A35-4DE7-8996-AEB1EFFF9604}" type="datetimeFigureOut">
               <a:rPr lang="zh-CN" altLang="en-US" smtClean="0"/>
+              <a:t>2021/8/2</a:t>
             </a:fld>
             <a:endParaRPr lang="zh-CN" altLang="en-US"/>
           </a:p>
@@ -1640,6 +1612,7 @@
           <a:p>
             <a:fld id="{BCFD14B3-D21E-4921-A042-FF08C93B11E6}" type="slidenum">
               <a:rPr lang="zh-CN" altLang="en-US" smtClean="0"/>
+              <a:t>‹#›</a:t>
             </a:fld>
             <a:endParaRPr lang="zh-CN" altLang="en-US"/>
           </a:p>
@@ -1689,7 +1662,6 @@
               <a:rPr lang="zh-CN" altLang="en-US"/>
               <a:t>单击此处编辑母版标题样式</a:t>
             </a:r>
-            <a:endParaRPr lang="zh-CN" altLang="en-US"/>
           </a:p>
         </p:txBody>
       </p:sp>
@@ -1710,6 +1682,7 @@
           <a:p>
             <a:fld id="{8167D3D9-1A35-4DE7-8996-AEB1EFFF9604}" type="datetimeFigureOut">
               <a:rPr lang="zh-CN" altLang="en-US" smtClean="0"/>
+              <a:t>2021/8/2</a:t>
             </a:fld>
             <a:endParaRPr lang="zh-CN" altLang="en-US"/>
           </a:p>
@@ -1751,6 +1724,7 @@
           <a:p>
             <a:fld id="{BCFD14B3-D21E-4921-A042-FF08C93B11E6}" type="slidenum">
               <a:rPr lang="zh-CN" altLang="en-US" smtClean="0"/>
+              <a:t>‹#›</a:t>
             </a:fld>
             <a:endParaRPr lang="zh-CN" altLang="en-US"/>
           </a:p>
@@ -1798,6 +1772,7 @@
           <a:p>
             <a:fld id="{8167D3D9-1A35-4DE7-8996-AEB1EFFF9604}" type="datetimeFigureOut">
               <a:rPr lang="zh-CN" altLang="en-US" smtClean="0"/>
+              <a:t>2021/8/2</a:t>
             </a:fld>
             <a:endParaRPr lang="zh-CN" altLang="en-US"/>
           </a:p>
@@ -1839,6 +1814,7 @@
           <a:p>
             <a:fld id="{BCFD14B3-D21E-4921-A042-FF08C93B11E6}" type="slidenum">
               <a:rPr lang="zh-CN" altLang="en-US" smtClean="0"/>
+              <a:t>‹#›</a:t>
             </a:fld>
             <a:endParaRPr lang="zh-CN" altLang="en-US"/>
           </a:p>
@@ -1897,7 +1873,6 @@
               <a:rPr lang="zh-CN" altLang="en-US"/>
               <a:t>单击此处编辑母版标题样式</a:t>
             </a:r>
-            <a:endParaRPr lang="zh-CN" altLang="en-US"/>
           </a:p>
         </p:txBody>
       </p:sp>
@@ -1954,7 +1929,6 @@
               <a:rPr lang="zh-CN" altLang="en-US"/>
               <a:t>单击此处编辑母版文本样式</a:t>
             </a:r>
-            <a:endParaRPr lang="zh-CN" altLang="en-US"/>
           </a:p>
           <a:p>
             <a:pPr lvl="1"/>
@@ -1962,7 +1936,6 @@
               <a:rPr lang="zh-CN" altLang="en-US"/>
               <a:t>二级</a:t>
             </a:r>
-            <a:endParaRPr lang="zh-CN" altLang="en-US"/>
           </a:p>
           <a:p>
             <a:pPr lvl="2"/>
@@ -1970,7 +1943,6 @@
               <a:rPr lang="zh-CN" altLang="en-US"/>
               <a:t>三级</a:t>
             </a:r>
-            <a:endParaRPr lang="zh-CN" altLang="en-US"/>
           </a:p>
           <a:p>
             <a:pPr lvl="3"/>
@@ -1978,7 +1950,6 @@
               <a:rPr lang="zh-CN" altLang="en-US"/>
               <a:t>四级</a:t>
             </a:r>
-            <a:endParaRPr lang="zh-CN" altLang="en-US"/>
           </a:p>
           <a:p>
             <a:pPr lvl="4"/>
@@ -1986,7 +1957,6 @@
               <a:rPr lang="zh-CN" altLang="en-US"/>
               <a:t>五级</a:t>
             </a:r>
-            <a:endParaRPr lang="zh-CN" altLang="en-US"/>
           </a:p>
         </p:txBody>
       </p:sp>
@@ -2052,7 +2022,6 @@
               <a:rPr lang="zh-CN" altLang="en-US"/>
               <a:t>单击此处编辑母版文本样式</a:t>
             </a:r>
-            <a:endParaRPr lang="zh-CN" altLang="en-US"/>
           </a:p>
         </p:txBody>
       </p:sp>
@@ -2073,6 +2042,7 @@
           <a:p>
             <a:fld id="{8167D3D9-1A35-4DE7-8996-AEB1EFFF9604}" type="datetimeFigureOut">
               <a:rPr lang="zh-CN" altLang="en-US" smtClean="0"/>
+              <a:t>2021/8/2</a:t>
             </a:fld>
             <a:endParaRPr lang="zh-CN" altLang="en-US"/>
           </a:p>
@@ -2114,6 +2084,7 @@
           <a:p>
             <a:fld id="{BCFD14B3-D21E-4921-A042-FF08C93B11E6}" type="slidenum">
               <a:rPr lang="zh-CN" altLang="en-US" smtClean="0"/>
+              <a:t>‹#›</a:t>
             </a:fld>
             <a:endParaRPr lang="zh-CN" altLang="en-US"/>
           </a:p>
@@ -2172,7 +2143,6 @@
               <a:rPr lang="zh-CN" altLang="en-US"/>
               <a:t>单击此处编辑母版标题样式</a:t>
             </a:r>
-            <a:endParaRPr lang="zh-CN" altLang="en-US"/>
           </a:p>
         </p:txBody>
       </p:sp>
@@ -2299,7 +2269,6 @@
               <a:rPr lang="zh-CN" altLang="en-US"/>
               <a:t>单击此处编辑母版文本样式</a:t>
             </a:r>
-            <a:endParaRPr lang="zh-CN" altLang="en-US"/>
           </a:p>
         </p:txBody>
       </p:sp>
@@ -2320,6 +2289,7 @@
           <a:p>
             <a:fld id="{8167D3D9-1A35-4DE7-8996-AEB1EFFF9604}" type="datetimeFigureOut">
               <a:rPr lang="zh-CN" altLang="en-US" smtClean="0"/>
+              <a:t>2021/8/2</a:t>
             </a:fld>
             <a:endParaRPr lang="zh-CN" altLang="en-US"/>
           </a:p>
@@ -2361,6 +2331,7 @@
           <a:p>
             <a:fld id="{BCFD14B3-D21E-4921-A042-FF08C93B11E6}" type="slidenum">
               <a:rPr lang="zh-CN" altLang="en-US" smtClean="0"/>
+              <a:t>‹#›</a:t>
             </a:fld>
             <a:endParaRPr lang="zh-CN" altLang="en-US"/>
           </a:p>
@@ -2425,7 +2396,6 @@
               <a:rPr lang="zh-CN" altLang="en-US"/>
               <a:t>单击此处编辑母版标题样式</a:t>
             </a:r>
-            <a:endParaRPr lang="zh-CN" altLang="en-US"/>
           </a:p>
         </p:txBody>
       </p:sp>
@@ -2459,7 +2429,6 @@
               <a:rPr lang="zh-CN" altLang="en-US"/>
               <a:t>单击此处编辑母版文本样式</a:t>
             </a:r>
-            <a:endParaRPr lang="zh-CN" altLang="en-US"/>
           </a:p>
           <a:p>
             <a:pPr lvl="1"/>
@@ -2467,7 +2436,6 @@
               <a:rPr lang="zh-CN" altLang="en-US"/>
               <a:t>二级</a:t>
             </a:r>
-            <a:endParaRPr lang="zh-CN" altLang="en-US"/>
           </a:p>
           <a:p>
             <a:pPr lvl="2"/>
@@ -2475,7 +2443,6 @@
               <a:rPr lang="zh-CN" altLang="en-US"/>
               <a:t>三级</a:t>
             </a:r>
-            <a:endParaRPr lang="zh-CN" altLang="en-US"/>
           </a:p>
           <a:p>
             <a:pPr lvl="3"/>
@@ -2483,7 +2450,6 @@
               <a:rPr lang="zh-CN" altLang="en-US"/>
               <a:t>四级</a:t>
             </a:r>
-            <a:endParaRPr lang="zh-CN" altLang="en-US"/>
           </a:p>
           <a:p>
             <a:pPr lvl="4"/>
@@ -2491,7 +2457,6 @@
               <a:rPr lang="zh-CN" altLang="en-US"/>
               <a:t>五级</a:t>
             </a:r>
-            <a:endParaRPr lang="zh-CN" altLang="en-US"/>
           </a:p>
         </p:txBody>
       </p:sp>
@@ -2530,6 +2495,7 @@
           <a:p>
             <a:fld id="{8167D3D9-1A35-4DE7-8996-AEB1EFFF9604}" type="datetimeFigureOut">
               <a:rPr lang="zh-CN" altLang="en-US" smtClean="0"/>
+              <a:t>2021/8/2</a:t>
             </a:fld>
             <a:endParaRPr lang="zh-CN" altLang="en-US"/>
           </a:p>
@@ -2607,6 +2573,7 @@
           <a:p>
             <a:fld id="{BCFD14B3-D21E-4921-A042-FF08C93B11E6}" type="slidenum">
               <a:rPr lang="zh-CN" altLang="en-US" smtClean="0"/>
+              <a:t>‹#›</a:t>
             </a:fld>
             <a:endParaRPr lang="zh-CN" altLang="en-US"/>
           </a:p>
@@ -2958,7 +2925,6 @@
               <a:rPr lang="zh-CN" altLang="en-US" sz="4000" dirty="0"/>
               <a:t>实践与理念</a:t>
             </a:r>
-            <a:endParaRPr lang="zh-CN" altLang="en-US" sz="4000" dirty="0"/>
           </a:p>
         </p:txBody>
       </p:sp>
@@ -2988,7 +2954,6 @@
               <a:rPr lang="zh-CN" altLang="en-US" dirty="0"/>
               <a:t>主讲人：刘智</a:t>
             </a:r>
-            <a:endParaRPr lang="zh-CN" altLang="en-US" dirty="0"/>
           </a:p>
         </p:txBody>
       </p:sp>
@@ -3046,10 +3011,6 @@
               </a:rPr>
               <a:t>前世今生</a:t>
             </a:r>
-            <a:endParaRPr lang="zh-CN" altLang="en-US" dirty="0">
-              <a:latin typeface="华文楷体" panose="02010600040101010101" pitchFamily="2" charset="-122"/>
-              <a:ea typeface="华文楷体" panose="02010600040101010101" pitchFamily="2" charset="-122"/>
-            </a:endParaRPr>
           </a:p>
         </p:txBody>
       </p:sp>
@@ -3082,10 +3043,6 @@
               </a:rPr>
               <a:t>不是工具</a:t>
             </a:r>
-            <a:endParaRPr lang="zh-CN" altLang="en-US" sz="1200" dirty="0">
-              <a:latin typeface="华文楷体" panose="02010600040101010101" pitchFamily="2" charset="-122"/>
-              <a:ea typeface="华文楷体" panose="02010600040101010101" pitchFamily="2" charset="-122"/>
-            </a:endParaRPr>
           </a:p>
         </p:txBody>
       </p:sp>
@@ -3118,10 +3075,6 @@
               </a:rPr>
               <a:t>不是概念</a:t>
             </a:r>
-            <a:endParaRPr lang="zh-CN" altLang="en-US" sz="1200" dirty="0">
-              <a:latin typeface="华文楷体" panose="02010600040101010101" pitchFamily="2" charset="-122"/>
-              <a:ea typeface="华文楷体" panose="02010600040101010101" pitchFamily="2" charset="-122"/>
-            </a:endParaRPr>
           </a:p>
         </p:txBody>
       </p:sp>
@@ -3154,10 +3107,6 @@
               </a:rPr>
               <a:t>是解决实际问题的解决方案</a:t>
             </a:r>
-            <a:endParaRPr lang="zh-CN" altLang="en-US" sz="1200" dirty="0">
-              <a:latin typeface="华文楷体" panose="02010600040101010101" pitchFamily="2" charset="-122"/>
-              <a:ea typeface="华文楷体" panose="02010600040101010101" pitchFamily="2" charset="-122"/>
-            </a:endParaRPr>
           </a:p>
         </p:txBody>
       </p:sp>
@@ -3202,10 +3151,6 @@
               </a:rPr>
               <a:t>AGILE</a:t>
             </a:r>
-            <a:endParaRPr lang="en-US" altLang="zh-CN" sz="1200" dirty="0">
-              <a:latin typeface="Times New Roman" panose="02020603050405020304" pitchFamily="18" charset="0"/>
-              <a:cs typeface="Times New Roman" panose="02020603050405020304" pitchFamily="18" charset="0"/>
-            </a:endParaRPr>
           </a:p>
         </p:txBody>
       </p:sp>
@@ -3250,10 +3195,6 @@
               </a:rPr>
               <a:t>IaC</a:t>
             </a:r>
-            <a:endParaRPr lang="en-US" altLang="zh-CN" sz="1200" dirty="0">
-              <a:latin typeface="Times New Roman" panose="02020603050405020304" pitchFamily="18" charset="0"/>
-              <a:cs typeface="Times New Roman" panose="02020603050405020304" pitchFamily="18" charset="0"/>
-            </a:endParaRPr>
           </a:p>
         </p:txBody>
       </p:sp>
@@ -3398,10 +3339,10 @@
           <p:nvPr/>
         </p:nvPicPr>
         <p:blipFill>
-          <a:blip r:embed="rId1">
+          <a:blip r:embed="rId2">
             <a:extLst>
               <a:ext uri="{96DAC541-7B7A-43D3-8B79-37D633B846F1}">
-                <asvg:svgBlip xmlns:asvg="http://schemas.microsoft.com/office/drawing/2016/SVG/main" r:embed="rId2"/>
+                <asvg:svgBlip xmlns:asvg="http://schemas.microsoft.com/office/drawing/2016/SVG/main" r:embed="rId3"/>
               </a:ext>
             </a:extLst>
           </a:blip>
@@ -3448,10 +3389,6 @@
               </a:rPr>
               <a:t>ITSM</a:t>
             </a:r>
-            <a:endParaRPr lang="en-US" altLang="zh-CN" sz="1200" dirty="0">
-              <a:latin typeface="Times New Roman" panose="02020603050405020304" pitchFamily="18" charset="0"/>
-              <a:cs typeface="Times New Roman" panose="02020603050405020304" pitchFamily="18" charset="0"/>
-            </a:endParaRPr>
           </a:p>
           <a:p>
             <a:r>
@@ -3461,10 +3398,6 @@
               </a:rPr>
               <a:t>ISMS</a:t>
             </a:r>
-            <a:endParaRPr lang="en-US" altLang="zh-CN" sz="1200" dirty="0">
-              <a:latin typeface="Times New Roman" panose="02020603050405020304" pitchFamily="18" charset="0"/>
-              <a:cs typeface="Times New Roman" panose="02020603050405020304" pitchFamily="18" charset="0"/>
-            </a:endParaRPr>
           </a:p>
           <a:p>
             <a:r>
@@ -3474,10 +3407,6 @@
               </a:rPr>
               <a:t>ITIL</a:t>
             </a:r>
-            <a:endParaRPr lang="en-US" altLang="zh-CN" sz="1200" dirty="0">
-              <a:latin typeface="Times New Roman" panose="02020603050405020304" pitchFamily="18" charset="0"/>
-              <a:cs typeface="Times New Roman" panose="02020603050405020304" pitchFamily="18" charset="0"/>
-            </a:endParaRPr>
           </a:p>
           <a:p>
             <a:r>
@@ -3487,10 +3416,6 @@
               </a:rPr>
               <a:t>COBIT</a:t>
             </a:r>
-            <a:endParaRPr lang="en-US" altLang="zh-CN" sz="1200" dirty="0">
-              <a:latin typeface="Times New Roman" panose="02020603050405020304" pitchFamily="18" charset="0"/>
-              <a:cs typeface="Times New Roman" panose="02020603050405020304" pitchFamily="18" charset="0"/>
-            </a:endParaRPr>
           </a:p>
           <a:p>
             <a:r>
@@ -3500,10 +3425,6 @@
               </a:rPr>
               <a:t>AGILE</a:t>
             </a:r>
-            <a:endParaRPr lang="en-US" altLang="zh-CN" sz="1200" dirty="0">
-              <a:latin typeface="Times New Roman" panose="02020603050405020304" pitchFamily="18" charset="0"/>
-              <a:cs typeface="Times New Roman" panose="02020603050405020304" pitchFamily="18" charset="0"/>
-            </a:endParaRPr>
           </a:p>
           <a:p>
             <a:r>
@@ -3513,10 +3434,6 @@
               </a:rPr>
               <a:t>SCRUM</a:t>
             </a:r>
-            <a:endParaRPr lang="en-US" altLang="zh-CN" sz="1200" dirty="0">
-              <a:latin typeface="Times New Roman" panose="02020603050405020304" pitchFamily="18" charset="0"/>
-              <a:cs typeface="Times New Roman" panose="02020603050405020304" pitchFamily="18" charset="0"/>
-            </a:endParaRPr>
           </a:p>
           <a:p>
             <a:r>
@@ -3526,10 +3443,6 @@
               </a:rPr>
               <a:t>...</a:t>
             </a:r>
-            <a:endParaRPr lang="en-US" altLang="zh-CN" sz="1200" dirty="0">
-              <a:latin typeface="Times New Roman" panose="02020603050405020304" pitchFamily="18" charset="0"/>
-              <a:cs typeface="Times New Roman" panose="02020603050405020304" pitchFamily="18" charset="0"/>
-            </a:endParaRPr>
           </a:p>
         </p:txBody>
       </p:sp>
@@ -3651,10 +3564,6 @@
               </a:rPr>
               <a:t>DevOps</a:t>
             </a:r>
-            <a:endParaRPr lang="en-US" altLang="zh-CN" sz="2000" b="1" dirty="0">
-              <a:latin typeface="Times New Roman" panose="02020603050405020304" pitchFamily="18" charset="0"/>
-              <a:cs typeface="Times New Roman" panose="02020603050405020304" pitchFamily="18" charset="0"/>
-            </a:endParaRPr>
           </a:p>
         </p:txBody>
       </p:sp>
@@ -3740,10 +3649,6 @@
               </a:rPr>
               <a:t>实践</a:t>
             </a:r>
-            <a:endParaRPr lang="zh-CN" altLang="en-US" sz="1200">
-              <a:latin typeface="华文楷体" panose="02010600040101010101" pitchFamily="2" charset="-122"/>
-              <a:ea typeface="华文楷体" panose="02010600040101010101" pitchFamily="2" charset="-122"/>
-            </a:endParaRPr>
           </a:p>
         </p:txBody>
       </p:sp>
@@ -3788,10 +3693,6 @@
               </a:rPr>
               <a:t>最佳实践</a:t>
             </a:r>
-            <a:endParaRPr lang="zh-CN" altLang="en-US" sz="1200" dirty="0">
-              <a:latin typeface="华文楷体" panose="02010600040101010101" pitchFamily="2" charset="-122"/>
-              <a:ea typeface="华文楷体" panose="02010600040101010101" pitchFamily="2" charset="-122"/>
-            </a:endParaRPr>
           </a:p>
         </p:txBody>
       </p:sp>
@@ -3836,10 +3737,6 @@
               </a:rPr>
               <a:t>标准</a:t>
             </a:r>
-            <a:endParaRPr lang="zh-CN" altLang="en-US" sz="1200" dirty="0">
-              <a:latin typeface="华文楷体" panose="02010600040101010101" pitchFamily="2" charset="-122"/>
-              <a:ea typeface="华文楷体" panose="02010600040101010101" pitchFamily="2" charset="-122"/>
-            </a:endParaRPr>
           </a:p>
         </p:txBody>
       </p:sp>
@@ -3924,10 +3821,10 @@
           <p:nvPr/>
         </p:nvPicPr>
         <p:blipFill>
-          <a:blip r:embed="rId3">
+          <a:blip r:embed="rId4">
             <a:extLst>
               <a:ext uri="{96DAC541-7B7A-43D3-8B79-37D633B846F1}">
-                <asvg:svgBlip xmlns:asvg="http://schemas.microsoft.com/office/drawing/2016/SVG/main" r:embed="rId4"/>
+                <asvg:svgBlip xmlns:asvg="http://schemas.microsoft.com/office/drawing/2016/SVG/main" r:embed="rId5"/>
               </a:ext>
             </a:extLst>
           </a:blip>
@@ -3974,10 +3871,6 @@
               </a:rPr>
               <a:t>领导与创新者</a:t>
             </a:r>
-            <a:endParaRPr lang="zh-CN" altLang="en-US" sz="1000" dirty="0">
-              <a:latin typeface="华文楷体" panose="02010600040101010101" pitchFamily="2" charset="-122"/>
-              <a:ea typeface="华文楷体" panose="02010600040101010101" pitchFamily="2" charset="-122"/>
-            </a:endParaRPr>
           </a:p>
         </p:txBody>
       </p:sp>
@@ -4010,10 +3903,6 @@
               </a:rPr>
               <a:t>追随者</a:t>
             </a:r>
-            <a:endParaRPr lang="zh-CN" altLang="en-US" sz="1000" dirty="0">
-              <a:latin typeface="华文楷体" panose="02010600040101010101" pitchFamily="2" charset="-122"/>
-              <a:ea typeface="华文楷体" panose="02010600040101010101" pitchFamily="2" charset="-122"/>
-            </a:endParaRPr>
           </a:p>
         </p:txBody>
       </p:sp>
@@ -4026,10 +3915,10 @@
           <p:nvPr/>
         </p:nvPicPr>
         <p:blipFill>
-          <a:blip r:embed="rId5">
+          <a:blip r:embed="rId6">
             <a:extLst>
               <a:ext uri="{96DAC541-7B7A-43D3-8B79-37D633B846F1}">
-                <asvg:svgBlip xmlns:asvg="http://schemas.microsoft.com/office/drawing/2016/SVG/main" r:embed="rId6"/>
+                <asvg:svgBlip xmlns:asvg="http://schemas.microsoft.com/office/drawing/2016/SVG/main" r:embed="rId7"/>
               </a:ext>
             </a:extLst>
           </a:blip>
@@ -4076,10 +3965,6 @@
               </a:rPr>
               <a:t>价值</a:t>
             </a:r>
-            <a:endParaRPr lang="zh-CN" altLang="en-US" sz="1000" dirty="0">
-              <a:latin typeface="华文楷体" panose="02010600040101010101" pitchFamily="2" charset="-122"/>
-              <a:ea typeface="华文楷体" panose="02010600040101010101" pitchFamily="2" charset="-122"/>
-            </a:endParaRPr>
           </a:p>
         </p:txBody>
       </p:sp>
@@ -4112,10 +3997,6 @@
               </a:rPr>
               <a:t>适用性</a:t>
             </a:r>
-            <a:endParaRPr lang="zh-CN" altLang="en-US" sz="1000" dirty="0">
-              <a:latin typeface="华文楷体" panose="02010600040101010101" pitchFamily="2" charset="-122"/>
-              <a:ea typeface="华文楷体" panose="02010600040101010101" pitchFamily="2" charset="-122"/>
-            </a:endParaRPr>
           </a:p>
         </p:txBody>
       </p:sp>
@@ -4128,10 +4009,10 @@
           <p:nvPr/>
         </p:nvPicPr>
         <p:blipFill>
-          <a:blip r:embed="rId5">
+          <a:blip r:embed="rId6">
             <a:extLst>
               <a:ext uri="{96DAC541-7B7A-43D3-8B79-37D633B846F1}">
-                <asvg:svgBlip xmlns:asvg="http://schemas.microsoft.com/office/drawing/2016/SVG/main" r:embed="rId6"/>
+                <asvg:svgBlip xmlns:asvg="http://schemas.microsoft.com/office/drawing/2016/SVG/main" r:embed="rId7"/>
               </a:ext>
             </a:extLst>
           </a:blip>
@@ -4178,10 +4059,6 @@
               </a:rPr>
               <a:t>关注者</a:t>
             </a:r>
-            <a:endParaRPr lang="zh-CN" altLang="en-US" sz="1000" dirty="0">
-              <a:latin typeface="华文楷体" panose="02010600040101010101" pitchFamily="2" charset="-122"/>
-              <a:ea typeface="华文楷体" panose="02010600040101010101" pitchFamily="2" charset="-122"/>
-            </a:endParaRPr>
           </a:p>
         </p:txBody>
       </p:sp>
@@ -4274,10 +4151,6 @@
               </a:rPr>
               <a:t>价值，所有手段的最终目的</a:t>
             </a:r>
-            <a:endParaRPr lang="zh-CN" altLang="en-US" dirty="0">
-              <a:latin typeface="华文楷体" panose="02010600040101010101" pitchFamily="2" charset="-122"/>
-              <a:ea typeface="华文楷体" panose="02010600040101010101" pitchFamily="2" charset="-122"/>
-            </a:endParaRPr>
           </a:p>
         </p:txBody>
       </p:sp>
@@ -4336,10 +4209,6 @@
                 </a:rPr>
                 <a:t>价值</a:t>
               </a:r>
-              <a:endParaRPr lang="zh-CN" altLang="en-US" sz="1000" dirty="0">
-                <a:latin typeface="华文楷体" panose="02010600040101010101" pitchFamily="2" charset="-122"/>
-                <a:ea typeface="华文楷体" panose="02010600040101010101" pitchFamily="2" charset="-122"/>
-              </a:endParaRPr>
             </a:p>
           </p:txBody>
         </p:sp>
@@ -4557,10 +4426,6 @@
                 </a:rPr>
                 <a:t>需求</a:t>
               </a:r>
-              <a:endParaRPr lang="zh-CN" altLang="en-US" sz="1000" dirty="0">
-                <a:latin typeface="华文楷体" panose="02010600040101010101" pitchFamily="2" charset="-122"/>
-                <a:ea typeface="华文楷体" panose="02010600040101010101" pitchFamily="2" charset="-122"/>
-              </a:endParaRPr>
             </a:p>
           </p:txBody>
         </p:sp>
@@ -4593,10 +4458,6 @@
                 </a:rPr>
                 <a:t>价值</a:t>
               </a:r>
-              <a:endParaRPr lang="zh-CN" altLang="en-US" sz="1000" dirty="0">
-                <a:latin typeface="华文楷体" panose="02010600040101010101" pitchFamily="2" charset="-122"/>
-                <a:ea typeface="华文楷体" panose="02010600040101010101" pitchFamily="2" charset="-122"/>
-              </a:endParaRPr>
             </a:p>
           </p:txBody>
         </p:sp>
@@ -4649,10 +4510,6 @@
               </a:rPr>
               <a:t>方法演进</a:t>
             </a:r>
-            <a:endParaRPr lang="zh-CN" altLang="en-US" sz="1000" dirty="0">
-              <a:latin typeface="Times New Roman" panose="02020603050405020304" pitchFamily="18" charset="0"/>
-              <a:cs typeface="Times New Roman" panose="02020603050405020304" pitchFamily="18" charset="0"/>
-            </a:endParaRPr>
           </a:p>
         </p:txBody>
       </p:sp>
@@ -4746,11 +4603,6 @@
               </a:rPr>
               <a:t>虚拟化</a:t>
             </a:r>
-            <a:endParaRPr lang="zh-CN" altLang="en-US" sz="1000" dirty="0">
-              <a:latin typeface="华文楷体" panose="02010600040101010101" pitchFamily="2" charset="-122"/>
-              <a:ea typeface="华文楷体" panose="02010600040101010101" pitchFamily="2" charset="-122"/>
-              <a:cs typeface="Times New Roman" panose="02020603050405020304" pitchFamily="18" charset="0"/>
-            </a:endParaRPr>
           </a:p>
         </p:txBody>
       </p:sp>
@@ -4796,11 +4648,6 @@
               </a:rPr>
               <a:t>云计算</a:t>
             </a:r>
-            <a:endParaRPr lang="zh-CN" altLang="en-US" sz="1000" dirty="0">
-              <a:latin typeface="华文楷体" panose="02010600040101010101" pitchFamily="2" charset="-122"/>
-              <a:ea typeface="华文楷体" panose="02010600040101010101" pitchFamily="2" charset="-122"/>
-              <a:cs typeface="Times New Roman" panose="02020603050405020304" pitchFamily="18" charset="0"/>
-            </a:endParaRPr>
           </a:p>
         </p:txBody>
       </p:sp>
@@ -4987,10 +4834,6 @@
               </a:rPr>
               <a:t>创造</a:t>
             </a:r>
-            <a:endParaRPr lang="zh-CN" altLang="en-US" sz="1000" dirty="0">
-              <a:latin typeface="华文楷体" panose="02010600040101010101" pitchFamily="2" charset="-122"/>
-              <a:ea typeface="华文楷体" panose="02010600040101010101" pitchFamily="2" charset="-122"/>
-            </a:endParaRPr>
           </a:p>
         </p:txBody>
       </p:sp>
@@ -5023,10 +4866,6 @@
               </a:rPr>
               <a:t>提供</a:t>
             </a:r>
-            <a:endParaRPr lang="zh-CN" altLang="en-US" sz="1000" dirty="0">
-              <a:latin typeface="华文楷体" panose="02010600040101010101" pitchFamily="2" charset="-122"/>
-              <a:ea typeface="华文楷体" panose="02010600040101010101" pitchFamily="2" charset="-122"/>
-            </a:endParaRPr>
           </a:p>
         </p:txBody>
       </p:sp>
@@ -5072,11 +4911,6 @@
               </a:rPr>
               <a:t>需求</a:t>
             </a:r>
-            <a:endParaRPr lang="zh-CN" altLang="en-US" sz="1000" dirty="0">
-              <a:latin typeface="华文楷体" panose="02010600040101010101" pitchFamily="2" charset="-122"/>
-              <a:ea typeface="华文楷体" panose="02010600040101010101" pitchFamily="2" charset="-122"/>
-              <a:cs typeface="Times New Roman" panose="02020603050405020304" pitchFamily="18" charset="0"/>
-            </a:endParaRPr>
           </a:p>
         </p:txBody>
       </p:sp>
@@ -5122,11 +4956,6 @@
               </a:rPr>
               <a:t>机会</a:t>
             </a:r>
-            <a:endParaRPr lang="zh-CN" altLang="en-US" sz="1000" dirty="0">
-              <a:latin typeface="华文楷体" panose="02010600040101010101" pitchFamily="2" charset="-122"/>
-              <a:ea typeface="华文楷体" panose="02010600040101010101" pitchFamily="2" charset="-122"/>
-              <a:cs typeface="Times New Roman" panose="02020603050405020304" pitchFamily="18" charset="0"/>
-            </a:endParaRPr>
           </a:p>
         </p:txBody>
       </p:sp>
@@ -5180,11 +5009,6 @@
               </a:rPr>
               <a:t>管理新方法</a:t>
             </a:r>
-            <a:endParaRPr lang="zh-CN" altLang="en-US" sz="1000" dirty="0">
-              <a:latin typeface="华文楷体" panose="02010600040101010101" pitchFamily="2" charset="-122"/>
-              <a:ea typeface="华文楷体" panose="02010600040101010101" pitchFamily="2" charset="-122"/>
-              <a:cs typeface="Times New Roman" panose="02020603050405020304" pitchFamily="18" charset="0"/>
-            </a:endParaRPr>
           </a:p>
         </p:txBody>
       </p:sp>
@@ -5321,11 +5145,6 @@
               </a:rPr>
               <a:t>敏捷</a:t>
             </a:r>
-            <a:endParaRPr lang="zh-CN" altLang="en-US" sz="1000" dirty="0">
-              <a:latin typeface="华文楷体" panose="02010600040101010101" pitchFamily="2" charset="-122"/>
-              <a:ea typeface="华文楷体" panose="02010600040101010101" pitchFamily="2" charset="-122"/>
-              <a:cs typeface="Times New Roman" panose="02020603050405020304" pitchFamily="18" charset="0"/>
-            </a:endParaRPr>
           </a:p>
         </p:txBody>
       </p:sp>
@@ -5371,11 +5190,6 @@
               </a:rPr>
               <a:t>精益生产</a:t>
             </a:r>
-            <a:endParaRPr lang="zh-CN" altLang="en-US" sz="1000" dirty="0">
-              <a:latin typeface="华文楷体" panose="02010600040101010101" pitchFamily="2" charset="-122"/>
-              <a:ea typeface="华文楷体" panose="02010600040101010101" pitchFamily="2" charset="-122"/>
-              <a:cs typeface="Times New Roman" panose="02020603050405020304" pitchFamily="18" charset="0"/>
-            </a:endParaRPr>
           </a:p>
         </p:txBody>
       </p:sp>
@@ -5498,10 +5312,10 @@
           <p:nvPr/>
         </p:nvPicPr>
         <p:blipFill>
-          <a:blip r:embed="rId1">
+          <a:blip r:embed="rId2">
             <a:extLst>
               <a:ext uri="{96DAC541-7B7A-43D3-8B79-37D633B846F1}">
-                <asvg:svgBlip xmlns:asvg="http://schemas.microsoft.com/office/drawing/2016/SVG/main" r:embed="rId2"/>
+                <asvg:svgBlip xmlns:asvg="http://schemas.microsoft.com/office/drawing/2016/SVG/main" r:embed="rId3"/>
               </a:ext>
             </a:extLst>
           </a:blip>
@@ -5581,10 +5395,6 @@
               </a:rPr>
               <a:t>缩减价值链</a:t>
             </a:r>
-            <a:endParaRPr lang="zh-CN" altLang="en-US" dirty="0">
-              <a:latin typeface="华文楷体" panose="02010600040101010101" pitchFamily="2" charset="-122"/>
-              <a:ea typeface="华文楷体" panose="02010600040101010101" pitchFamily="2" charset="-122"/>
-            </a:endParaRPr>
           </a:p>
         </p:txBody>
       </p:sp>
@@ -5646,11 +5456,6 @@
               </a:rPr>
               <a:t>响应时间</a:t>
             </a:r>
-            <a:endParaRPr lang="zh-CN" altLang="en-US" sz="1200" dirty="0">
-              <a:latin typeface="华文楷体" panose="02010600040101010101" pitchFamily="2" charset="-122"/>
-              <a:ea typeface="华文楷体" panose="02010600040101010101" pitchFamily="2" charset="-122"/>
-              <a:cs typeface="Times New Roman" panose="02020603050405020304" pitchFamily="18" charset="0"/>
-            </a:endParaRPr>
           </a:p>
         </p:txBody>
       </p:sp>
@@ -5742,11 +5547,6 @@
               </a:rPr>
               <a:t>减少技术债务</a:t>
             </a:r>
-            <a:endParaRPr lang="zh-CN" altLang="en-US" sz="1200" dirty="0">
-              <a:latin typeface="华文楷体" panose="02010600040101010101" pitchFamily="2" charset="-122"/>
-              <a:ea typeface="华文楷体" panose="02010600040101010101" pitchFamily="2" charset="-122"/>
-              <a:cs typeface="Times New Roman" panose="02020603050405020304" pitchFamily="18" charset="0"/>
-            </a:endParaRPr>
           </a:p>
         </p:txBody>
       </p:sp>
@@ -5792,11 +5592,6 @@
               </a:rPr>
               <a:t>消除脆弱性</a:t>
             </a:r>
-            <a:endParaRPr lang="zh-CN" altLang="en-US" sz="1200" dirty="0">
-              <a:latin typeface="华文楷体" panose="02010600040101010101" pitchFamily="2" charset="-122"/>
-              <a:ea typeface="华文楷体" panose="02010600040101010101" pitchFamily="2" charset="-122"/>
-              <a:cs typeface="Times New Roman" panose="02020603050405020304" pitchFamily="18" charset="0"/>
-            </a:endParaRPr>
           </a:p>
         </p:txBody>
       </p:sp>
@@ -6057,14 +5852,6 @@
               </a:rPr>
               <a:t>自动化例行的工作</a:t>
             </a:r>
-            <a:endParaRPr lang="zh-CN" altLang="en-US" sz="1200" dirty="0">
-              <a:solidFill>
-                <a:schemeClr val="dk1"/>
-              </a:solidFill>
-              <a:latin typeface="华文楷体" panose="02010600040101010101" pitchFamily="2" charset="-122"/>
-              <a:ea typeface="华文楷体" panose="02010600040101010101" pitchFamily="2" charset="-122"/>
-              <a:cs typeface="Times New Roman" panose="02020603050405020304" pitchFamily="18" charset="0"/>
-            </a:endParaRPr>
           </a:p>
         </p:txBody>
       </p:sp>
@@ -6155,14 +5942,6 @@
               </a:rPr>
               <a:t>直面问题</a:t>
             </a:r>
-            <a:endParaRPr lang="zh-CN" altLang="en-US" sz="1200" dirty="0">
-              <a:solidFill>
-                <a:schemeClr val="dk1"/>
-              </a:solidFill>
-              <a:latin typeface="华文楷体" panose="02010600040101010101" pitchFamily="2" charset="-122"/>
-              <a:ea typeface="华文楷体" panose="02010600040101010101" pitchFamily="2" charset="-122"/>
-              <a:cs typeface="Times New Roman" panose="02020603050405020304" pitchFamily="18" charset="0"/>
-            </a:endParaRPr>
           </a:p>
         </p:txBody>
       </p:sp>
@@ -6319,11 +6098,6 @@
               </a:rPr>
               <a:t>价值流</a:t>
             </a:r>
-            <a:endParaRPr lang="zh-CN" altLang="en-US" dirty="0">
-              <a:latin typeface="Times New Roman" panose="02020603050405020304" pitchFamily="18" charset="0"/>
-              <a:ea typeface="华文楷体" panose="02010600040101010101" pitchFamily="2" charset="-122"/>
-              <a:cs typeface="Times New Roman" panose="02020603050405020304" pitchFamily="18" charset="0"/>
-            </a:endParaRPr>
           </a:p>
         </p:txBody>
       </p:sp>
@@ -6369,11 +6143,6 @@
               </a:rPr>
               <a:t>需求规格</a:t>
             </a:r>
-            <a:endParaRPr lang="zh-CN" altLang="en-US" sz="1200" dirty="0">
-              <a:latin typeface="华文楷体" panose="02010600040101010101" pitchFamily="2" charset="-122"/>
-              <a:ea typeface="华文楷体" panose="02010600040101010101" pitchFamily="2" charset="-122"/>
-              <a:cs typeface="Times New Roman" panose="02020603050405020304" pitchFamily="18" charset="0"/>
-            </a:endParaRPr>
           </a:p>
         </p:txBody>
       </p:sp>
@@ -6419,11 +6188,6 @@
               </a:rPr>
               <a:t>需求协商</a:t>
             </a:r>
-            <a:endParaRPr lang="zh-CN" altLang="en-US" sz="1200" dirty="0">
-              <a:latin typeface="华文楷体" panose="02010600040101010101" pitchFamily="2" charset="-122"/>
-              <a:ea typeface="华文楷体" panose="02010600040101010101" pitchFamily="2" charset="-122"/>
-              <a:cs typeface="Times New Roman" panose="02020603050405020304" pitchFamily="18" charset="0"/>
-            </a:endParaRPr>
           </a:p>
         </p:txBody>
       </p:sp>
@@ -6469,11 +6233,6 @@
               </a:rPr>
               <a:t>需求分析</a:t>
             </a:r>
-            <a:endParaRPr lang="zh-CN" altLang="en-US" sz="1200" dirty="0">
-              <a:latin typeface="华文楷体" panose="02010600040101010101" pitchFamily="2" charset="-122"/>
-              <a:ea typeface="华文楷体" panose="02010600040101010101" pitchFamily="2" charset="-122"/>
-              <a:cs typeface="Times New Roman" panose="02020603050405020304" pitchFamily="18" charset="0"/>
-            </a:endParaRPr>
           </a:p>
           <a:p>
             <a:pPr algn="ctr"/>
@@ -6485,11 +6244,6 @@
               </a:rPr>
               <a:t>方案规划</a:t>
             </a:r>
-            <a:endParaRPr lang="zh-CN" altLang="en-US" sz="1200" dirty="0">
-              <a:latin typeface="华文楷体" panose="02010600040101010101" pitchFamily="2" charset="-122"/>
-              <a:ea typeface="华文楷体" panose="02010600040101010101" pitchFamily="2" charset="-122"/>
-              <a:cs typeface="Times New Roman" panose="02020603050405020304" pitchFamily="18" charset="0"/>
-            </a:endParaRPr>
           </a:p>
         </p:txBody>
       </p:sp>
@@ -6535,11 +6289,6 @@
               </a:rPr>
               <a:t>方案审批</a:t>
             </a:r>
-            <a:endParaRPr lang="zh-CN" altLang="en-US" sz="1200" dirty="0">
-              <a:latin typeface="华文楷体" panose="02010600040101010101" pitchFamily="2" charset="-122"/>
-              <a:ea typeface="华文楷体" panose="02010600040101010101" pitchFamily="2" charset="-122"/>
-              <a:cs typeface="Times New Roman" panose="02020603050405020304" pitchFamily="18" charset="0"/>
-            </a:endParaRPr>
           </a:p>
         </p:txBody>
       </p:sp>
@@ -6585,11 +6334,6 @@
               </a:rPr>
               <a:t>方案审批</a:t>
             </a:r>
-            <a:endParaRPr lang="zh-CN" altLang="en-US" sz="1200" dirty="0">
-              <a:latin typeface="华文楷体" panose="02010600040101010101" pitchFamily="2" charset="-122"/>
-              <a:ea typeface="华文楷体" panose="02010600040101010101" pitchFamily="2" charset="-122"/>
-              <a:cs typeface="Times New Roman" panose="02020603050405020304" pitchFamily="18" charset="0"/>
-            </a:endParaRPr>
           </a:p>
         </p:txBody>
       </p:sp>
@@ -6635,11 +6379,6 @@
               </a:rPr>
               <a:t>详细计划</a:t>
             </a:r>
-            <a:endParaRPr lang="zh-CN" altLang="en-US" sz="1200" dirty="0">
-              <a:latin typeface="华文楷体" panose="02010600040101010101" pitchFamily="2" charset="-122"/>
-              <a:ea typeface="华文楷体" panose="02010600040101010101" pitchFamily="2" charset="-122"/>
-              <a:cs typeface="Times New Roman" panose="02020603050405020304" pitchFamily="18" charset="0"/>
-            </a:endParaRPr>
           </a:p>
         </p:txBody>
       </p:sp>
@@ -6685,11 +6424,6 @@
               </a:rPr>
               <a:t>软件开发</a:t>
             </a:r>
-            <a:endParaRPr lang="zh-CN" altLang="en-US" sz="1200" dirty="0">
-              <a:latin typeface="华文楷体" panose="02010600040101010101" pitchFamily="2" charset="-122"/>
-              <a:ea typeface="华文楷体" panose="02010600040101010101" pitchFamily="2" charset="-122"/>
-              <a:cs typeface="Times New Roman" panose="02020603050405020304" pitchFamily="18" charset="0"/>
-            </a:endParaRPr>
           </a:p>
         </p:txBody>
       </p:sp>
@@ -6735,11 +6469,6 @@
               </a:rPr>
               <a:t>单元测试</a:t>
             </a:r>
-            <a:endParaRPr lang="zh-CN" altLang="en-US" sz="1200" dirty="0">
-              <a:latin typeface="华文楷体" panose="02010600040101010101" pitchFamily="2" charset="-122"/>
-              <a:ea typeface="华文楷体" panose="02010600040101010101" pitchFamily="2" charset="-122"/>
-              <a:cs typeface="Times New Roman" panose="02020603050405020304" pitchFamily="18" charset="0"/>
-            </a:endParaRPr>
           </a:p>
         </p:txBody>
       </p:sp>
@@ -6785,11 +6514,6 @@
               </a:rPr>
               <a:t>用户测试</a:t>
             </a:r>
-            <a:endParaRPr lang="zh-CN" altLang="en-US" sz="1200" dirty="0">
-              <a:latin typeface="华文楷体" panose="02010600040101010101" pitchFamily="2" charset="-122"/>
-              <a:ea typeface="华文楷体" panose="02010600040101010101" pitchFamily="2" charset="-122"/>
-              <a:cs typeface="Times New Roman" panose="02020603050405020304" pitchFamily="18" charset="0"/>
-            </a:endParaRPr>
           </a:p>
         </p:txBody>
       </p:sp>
@@ -6835,11 +6559,6 @@
               </a:rPr>
               <a:t>性能测试</a:t>
             </a:r>
-            <a:endParaRPr lang="zh-CN" altLang="en-US" sz="1200" dirty="0">
-              <a:latin typeface="华文楷体" panose="02010600040101010101" pitchFamily="2" charset="-122"/>
-              <a:ea typeface="华文楷体" panose="02010600040101010101" pitchFamily="2" charset="-122"/>
-              <a:cs typeface="Times New Roman" panose="02020603050405020304" pitchFamily="18" charset="0"/>
-            </a:endParaRPr>
           </a:p>
         </p:txBody>
       </p:sp>
@@ -6918,11 +6637,6 @@
               </a:rPr>
               <a:t>变更请求提交</a:t>
             </a:r>
-            <a:endParaRPr lang="zh-CN" altLang="en-US" sz="1200" dirty="0">
-              <a:latin typeface="华文楷体" panose="02010600040101010101" pitchFamily="2" charset="-122"/>
-              <a:ea typeface="华文楷体" panose="02010600040101010101" pitchFamily="2" charset="-122"/>
-              <a:cs typeface="Times New Roman" panose="02020603050405020304" pitchFamily="18" charset="0"/>
-            </a:endParaRPr>
           </a:p>
         </p:txBody>
       </p:sp>
@@ -6968,11 +6682,6 @@
               </a:rPr>
               <a:t>变更请求审批</a:t>
             </a:r>
-            <a:endParaRPr lang="zh-CN" altLang="en-US" sz="1200" dirty="0">
-              <a:latin typeface="华文楷体" panose="02010600040101010101" pitchFamily="2" charset="-122"/>
-              <a:ea typeface="华文楷体" panose="02010600040101010101" pitchFamily="2" charset="-122"/>
-              <a:cs typeface="Times New Roman" panose="02020603050405020304" pitchFamily="18" charset="0"/>
-            </a:endParaRPr>
           </a:p>
         </p:txBody>
       </p:sp>
@@ -7018,11 +6727,6 @@
               </a:rPr>
               <a:t>发布构建</a:t>
             </a:r>
-            <a:endParaRPr lang="zh-CN" altLang="en-US" sz="1200" dirty="0">
-              <a:latin typeface="华文楷体" panose="02010600040101010101" pitchFamily="2" charset="-122"/>
-              <a:ea typeface="华文楷体" panose="02010600040101010101" pitchFamily="2" charset="-122"/>
-              <a:cs typeface="Times New Roman" panose="02020603050405020304" pitchFamily="18" charset="0"/>
-            </a:endParaRPr>
           </a:p>
         </p:txBody>
       </p:sp>
@@ -7068,11 +6772,6 @@
               </a:rPr>
               <a:t>部署</a:t>
             </a:r>
-            <a:endParaRPr lang="zh-CN" altLang="en-US" sz="1200" dirty="0">
-              <a:latin typeface="华文楷体" panose="02010600040101010101" pitchFamily="2" charset="-122"/>
-              <a:ea typeface="华文楷体" panose="02010600040101010101" pitchFamily="2" charset="-122"/>
-              <a:cs typeface="Times New Roman" panose="02020603050405020304" pitchFamily="18" charset="0"/>
-            </a:endParaRPr>
           </a:p>
         </p:txBody>
       </p:sp>
@@ -7118,11 +6817,6 @@
               </a:rPr>
               <a:t>验收测试</a:t>
             </a:r>
-            <a:endParaRPr lang="zh-CN" altLang="en-US" sz="1200" dirty="0">
-              <a:latin typeface="华文楷体" panose="02010600040101010101" pitchFamily="2" charset="-122"/>
-              <a:ea typeface="华文楷体" panose="02010600040101010101" pitchFamily="2" charset="-122"/>
-              <a:cs typeface="Times New Roman" panose="02020603050405020304" pitchFamily="18" charset="0"/>
-            </a:endParaRPr>
           </a:p>
         </p:txBody>
       </p:sp>
@@ -7168,11 +6862,6 @@
               </a:rPr>
               <a:t>正式验收</a:t>
             </a:r>
-            <a:endParaRPr lang="zh-CN" altLang="en-US" sz="1200" dirty="0">
-              <a:latin typeface="华文楷体" panose="02010600040101010101" pitchFamily="2" charset="-122"/>
-              <a:ea typeface="华文楷体" panose="02010600040101010101" pitchFamily="2" charset="-122"/>
-              <a:cs typeface="Times New Roman" panose="02020603050405020304" pitchFamily="18" charset="0"/>
-            </a:endParaRPr>
           </a:p>
         </p:txBody>
       </p:sp>
@@ -7559,7 +7248,7 @@
           <a:prstGeom prst="bentConnector5">
             <a:avLst>
               <a:gd name="adj1" fmla="val -3391"/>
-              <a:gd name="adj2" fmla="val 55559"/>
+              <a:gd name="adj2" fmla="val 56671"/>
               <a:gd name="adj3" fmla="val 103391"/>
             </a:avLst>
           </a:prstGeom>
@@ -7611,10 +7300,6 @@
               </a:rPr>
               <a:t>开发</a:t>
             </a:r>
-            <a:endParaRPr lang="zh-CN" altLang="en-US" sz="1000" dirty="0">
-              <a:latin typeface="华文楷体" panose="02010600040101010101" pitchFamily="2" charset="-122"/>
-              <a:ea typeface="华文楷体" panose="02010600040101010101" pitchFamily="2" charset="-122"/>
-            </a:endParaRPr>
           </a:p>
         </p:txBody>
       </p:sp>
@@ -7647,10 +7332,6 @@
               </a:rPr>
               <a:t>部署</a:t>
             </a:r>
-            <a:endParaRPr lang="zh-CN" altLang="en-US" sz="1000" dirty="0">
-              <a:latin typeface="华文楷体" panose="02010600040101010101" pitchFamily="2" charset="-122"/>
-              <a:ea typeface="华文楷体" panose="02010600040101010101" pitchFamily="2" charset="-122"/>
-            </a:endParaRPr>
           </a:p>
         </p:txBody>
       </p:sp>
@@ -7847,10 +7528,10 @@
           <p:nvPr/>
         </p:nvPicPr>
         <p:blipFill>
-          <a:blip r:embed="rId1">
+          <a:blip r:embed="rId2">
             <a:extLst>
               <a:ext uri="{96DAC541-7B7A-43D3-8B79-37D633B846F1}">
-                <asvg:svgBlip xmlns:asvg="http://schemas.microsoft.com/office/drawing/2016/SVG/main" r:embed="rId2"/>
+                <asvg:svgBlip xmlns:asvg="http://schemas.microsoft.com/office/drawing/2016/SVG/main" r:embed="rId3"/>
               </a:ext>
             </a:extLst>
           </a:blip>
@@ -7877,10 +7558,10 @@
           <p:nvPr/>
         </p:nvPicPr>
         <p:blipFill>
-          <a:blip r:embed="rId3">
+          <a:blip r:embed="rId4">
             <a:extLst>
               <a:ext uri="{96DAC541-7B7A-43D3-8B79-37D633B846F1}">
-                <asvg:svgBlip xmlns:asvg="http://schemas.microsoft.com/office/drawing/2016/SVG/main" r:embed="rId4"/>
+                <asvg:svgBlip xmlns:asvg="http://schemas.microsoft.com/office/drawing/2016/SVG/main" r:embed="rId5"/>
               </a:ext>
             </a:extLst>
           </a:blip>
@@ -7907,10 +7588,10 @@
           <p:nvPr/>
         </p:nvPicPr>
         <p:blipFill>
-          <a:blip r:embed="rId1">
+          <a:blip r:embed="rId2">
             <a:extLst>
               <a:ext uri="{96DAC541-7B7A-43D3-8B79-37D633B846F1}">
-                <asvg:svgBlip xmlns:asvg="http://schemas.microsoft.com/office/drawing/2016/SVG/main" r:embed="rId2"/>
+                <asvg:svgBlip xmlns:asvg="http://schemas.microsoft.com/office/drawing/2016/SVG/main" r:embed="rId3"/>
               </a:ext>
             </a:extLst>
           </a:blip>
@@ -7937,10 +7618,10 @@
           <p:nvPr/>
         </p:nvPicPr>
         <p:blipFill>
-          <a:blip r:embed="rId1">
+          <a:blip r:embed="rId2">
             <a:extLst>
               <a:ext uri="{96DAC541-7B7A-43D3-8B79-37D633B846F1}">
-                <asvg:svgBlip xmlns:asvg="http://schemas.microsoft.com/office/drawing/2016/SVG/main" r:embed="rId2"/>
+                <asvg:svgBlip xmlns:asvg="http://schemas.microsoft.com/office/drawing/2016/SVG/main" r:embed="rId3"/>
               </a:ext>
             </a:extLst>
           </a:blip>
@@ -7967,10 +7648,10 @@
           <p:nvPr/>
         </p:nvPicPr>
         <p:blipFill>
-          <a:blip r:embed="rId1">
+          <a:blip r:embed="rId2">
             <a:extLst>
               <a:ext uri="{96DAC541-7B7A-43D3-8B79-37D633B846F1}">
-                <asvg:svgBlip xmlns:asvg="http://schemas.microsoft.com/office/drawing/2016/SVG/main" r:embed="rId2"/>
+                <asvg:svgBlip xmlns:asvg="http://schemas.microsoft.com/office/drawing/2016/SVG/main" r:embed="rId3"/>
               </a:ext>
             </a:extLst>
           </a:blip>
@@ -7997,10 +7678,10 @@
           <p:nvPr/>
         </p:nvPicPr>
         <p:blipFill>
-          <a:blip r:embed="rId3">
+          <a:blip r:embed="rId4">
             <a:extLst>
               <a:ext uri="{96DAC541-7B7A-43D3-8B79-37D633B846F1}">
-                <asvg:svgBlip xmlns:asvg="http://schemas.microsoft.com/office/drawing/2016/SVG/main" r:embed="rId4"/>
+                <asvg:svgBlip xmlns:asvg="http://schemas.microsoft.com/office/drawing/2016/SVG/main" r:embed="rId5"/>
               </a:ext>
             </a:extLst>
           </a:blip>
@@ -8027,10 +7708,10 @@
           <p:nvPr/>
         </p:nvPicPr>
         <p:blipFill>
-          <a:blip r:embed="rId3">
+          <a:blip r:embed="rId4">
             <a:extLst>
               <a:ext uri="{96DAC541-7B7A-43D3-8B79-37D633B846F1}">
-                <asvg:svgBlip xmlns:asvg="http://schemas.microsoft.com/office/drawing/2016/SVG/main" r:embed="rId4"/>
+                <asvg:svgBlip xmlns:asvg="http://schemas.microsoft.com/office/drawing/2016/SVG/main" r:embed="rId5"/>
               </a:ext>
             </a:extLst>
           </a:blip>
@@ -8057,10 +7738,10 @@
           <p:nvPr/>
         </p:nvPicPr>
         <p:blipFill>
-          <a:blip r:embed="rId1">
+          <a:blip r:embed="rId2">
             <a:extLst>
               <a:ext uri="{96DAC541-7B7A-43D3-8B79-37D633B846F1}">
-                <asvg:svgBlip xmlns:asvg="http://schemas.microsoft.com/office/drawing/2016/SVG/main" r:embed="rId2"/>
+                <asvg:svgBlip xmlns:asvg="http://schemas.microsoft.com/office/drawing/2016/SVG/main" r:embed="rId3"/>
               </a:ext>
             </a:extLst>
           </a:blip>
@@ -8087,10 +7768,10 @@
           <p:nvPr/>
         </p:nvPicPr>
         <p:blipFill>
-          <a:blip r:embed="rId3">
+          <a:blip r:embed="rId4">
             <a:extLst>
               <a:ext uri="{96DAC541-7B7A-43D3-8B79-37D633B846F1}">
-                <asvg:svgBlip xmlns:asvg="http://schemas.microsoft.com/office/drawing/2016/SVG/main" r:embed="rId4"/>
+                <asvg:svgBlip xmlns:asvg="http://schemas.microsoft.com/office/drawing/2016/SVG/main" r:embed="rId5"/>
               </a:ext>
             </a:extLst>
           </a:blip>
@@ -8117,10 +7798,10 @@
           <p:nvPr/>
         </p:nvPicPr>
         <p:blipFill>
-          <a:blip r:embed="rId3">
+          <a:blip r:embed="rId4">
             <a:extLst>
               <a:ext uri="{96DAC541-7B7A-43D3-8B79-37D633B846F1}">
-                <asvg:svgBlip xmlns:asvg="http://schemas.microsoft.com/office/drawing/2016/SVG/main" r:embed="rId4"/>
+                <asvg:svgBlip xmlns:asvg="http://schemas.microsoft.com/office/drawing/2016/SVG/main" r:embed="rId5"/>
               </a:ext>
             </a:extLst>
           </a:blip>
@@ -8188,11 +7869,6 @@
               </a:rPr>
               <a:t>Lead Time</a:t>
             </a:r>
-            <a:endParaRPr lang="en-US" altLang="zh-CN" sz="1100" dirty="0">
-              <a:latin typeface="Times New Roman" panose="02020603050405020304" pitchFamily="18" charset="0"/>
-              <a:ea typeface="华文楷体" panose="02010600040101010101" pitchFamily="2" charset="-122"/>
-              <a:cs typeface="Times New Roman" panose="02020603050405020304" pitchFamily="18" charset="0"/>
-            </a:endParaRPr>
           </a:p>
           <a:p>
             <a:pPr marL="171450" indent="-171450">
@@ -8223,11 +7899,6 @@
               </a:rPr>
               <a:t>Process Time</a:t>
             </a:r>
-            <a:endParaRPr lang="en-US" altLang="zh-CN" sz="1100" dirty="0">
-              <a:latin typeface="Times New Roman" panose="02020603050405020304" pitchFamily="18" charset="0"/>
-              <a:ea typeface="华文楷体" panose="02010600040101010101" pitchFamily="2" charset="-122"/>
-              <a:cs typeface="Times New Roman" panose="02020603050405020304" pitchFamily="18" charset="0"/>
-            </a:endParaRPr>
           </a:p>
           <a:p>
             <a:pPr marL="171450" indent="-171450">
@@ -8321,11 +7992,6 @@
               </a:rPr>
               <a:t>单体架构所存在的问题</a:t>
             </a:r>
-            <a:endParaRPr lang="zh-CN" altLang="en-US" dirty="0">
-              <a:latin typeface="Times New Roman" panose="02020603050405020304" pitchFamily="18" charset="0"/>
-              <a:ea typeface="华文楷体" panose="02010600040101010101" pitchFamily="2" charset="-122"/>
-              <a:cs typeface="Times New Roman" panose="02020603050405020304" pitchFamily="18" charset="0"/>
-            </a:endParaRPr>
           </a:p>
         </p:txBody>
       </p:sp>
@@ -8605,11 +8271,6 @@
               </a:rPr>
               <a:t>架构演进</a:t>
             </a:r>
-            <a:endParaRPr lang="zh-CN" altLang="en-US" dirty="0">
-              <a:latin typeface="Times New Roman" panose="02020603050405020304" pitchFamily="18" charset="0"/>
-              <a:ea typeface="华文楷体" panose="02010600040101010101" pitchFamily="2" charset="-122"/>
-              <a:cs typeface="Times New Roman" panose="02020603050405020304" pitchFamily="18" charset="0"/>
-            </a:endParaRPr>
           </a:p>
         </p:txBody>
       </p:sp>
@@ -8655,11 +8316,6 @@
               </a:rPr>
               <a:t>外部应用接口</a:t>
             </a:r>
-            <a:endParaRPr lang="zh-CN" altLang="en-US" sz="1200" dirty="0">
-              <a:latin typeface="华文楷体" panose="02010600040101010101" pitchFamily="2" charset="-122"/>
-              <a:ea typeface="华文楷体" panose="02010600040101010101" pitchFamily="2" charset="-122"/>
-              <a:cs typeface="Times New Roman" panose="02020603050405020304" pitchFamily="18" charset="0"/>
-            </a:endParaRPr>
           </a:p>
         </p:txBody>
       </p:sp>
@@ -8705,11 +8361,6 @@
               </a:rPr>
               <a:t>客户设备</a:t>
             </a:r>
-            <a:endParaRPr lang="zh-CN" altLang="en-US" sz="1200" dirty="0">
-              <a:latin typeface="华文楷体" panose="02010600040101010101" pitchFamily="2" charset="-122"/>
-              <a:ea typeface="华文楷体" panose="02010600040101010101" pitchFamily="2" charset="-122"/>
-              <a:cs typeface="Times New Roman" panose="02020603050405020304" pitchFamily="18" charset="0"/>
-            </a:endParaRPr>
           </a:p>
         </p:txBody>
       </p:sp>
@@ -8755,11 +8406,6 @@
               </a:rPr>
               <a:t>客户设备</a:t>
             </a:r>
-            <a:endParaRPr lang="zh-CN" altLang="en-US" sz="1200" dirty="0">
-              <a:latin typeface="华文楷体" panose="02010600040101010101" pitchFamily="2" charset="-122"/>
-              <a:ea typeface="华文楷体" panose="02010600040101010101" pitchFamily="2" charset="-122"/>
-              <a:cs typeface="Times New Roman" panose="02020603050405020304" pitchFamily="18" charset="0"/>
-            </a:endParaRPr>
           </a:p>
         </p:txBody>
       </p:sp>
@@ -8805,11 +8451,6 @@
               </a:rPr>
               <a:t>客户设备</a:t>
             </a:r>
-            <a:endParaRPr lang="zh-CN" altLang="en-US" sz="1200" dirty="0">
-              <a:latin typeface="华文楷体" panose="02010600040101010101" pitchFamily="2" charset="-122"/>
-              <a:ea typeface="华文楷体" panose="02010600040101010101" pitchFamily="2" charset="-122"/>
-              <a:cs typeface="Times New Roman" panose="02020603050405020304" pitchFamily="18" charset="0"/>
-            </a:endParaRPr>
           </a:p>
         </p:txBody>
       </p:sp>
@@ -8855,11 +8496,6 @@
               </a:rPr>
               <a:t>数据集成应用层</a:t>
             </a:r>
-            <a:endParaRPr lang="zh-CN" altLang="en-US" sz="1200" dirty="0">
-              <a:latin typeface="华文楷体" panose="02010600040101010101" pitchFamily="2" charset="-122"/>
-              <a:ea typeface="华文楷体" panose="02010600040101010101" pitchFamily="2" charset="-122"/>
-              <a:cs typeface="Times New Roman" panose="02020603050405020304" pitchFamily="18" charset="0"/>
-            </a:endParaRPr>
           </a:p>
         </p:txBody>
       </p:sp>
@@ -10170,11 +9806,6 @@
               </a:rPr>
               <a:t>客户设备</a:t>
             </a:r>
-            <a:endParaRPr lang="zh-CN" altLang="en-US" sz="1200" dirty="0">
-              <a:latin typeface="华文楷体" panose="02010600040101010101" pitchFamily="2" charset="-122"/>
-              <a:ea typeface="华文楷体" panose="02010600040101010101" pitchFamily="2" charset="-122"/>
-              <a:cs typeface="Times New Roman" panose="02020603050405020304" pitchFamily="18" charset="0"/>
-            </a:endParaRPr>
           </a:p>
         </p:txBody>
       </p:sp>
@@ -10220,11 +9851,6 @@
               </a:rPr>
               <a:t>客户设备</a:t>
             </a:r>
-            <a:endParaRPr lang="zh-CN" altLang="en-US" sz="1200" dirty="0">
-              <a:latin typeface="华文楷体" panose="02010600040101010101" pitchFamily="2" charset="-122"/>
-              <a:ea typeface="华文楷体" panose="02010600040101010101" pitchFamily="2" charset="-122"/>
-              <a:cs typeface="Times New Roman" panose="02020603050405020304" pitchFamily="18" charset="0"/>
-            </a:endParaRPr>
           </a:p>
         </p:txBody>
       </p:sp>
@@ -10270,11 +9896,6 @@
               </a:rPr>
               <a:t>客户设备</a:t>
             </a:r>
-            <a:endParaRPr lang="zh-CN" altLang="en-US" sz="1200" dirty="0">
-              <a:latin typeface="华文楷体" panose="02010600040101010101" pitchFamily="2" charset="-122"/>
-              <a:ea typeface="华文楷体" panose="02010600040101010101" pitchFamily="2" charset="-122"/>
-              <a:cs typeface="Times New Roman" panose="02020603050405020304" pitchFamily="18" charset="0"/>
-            </a:endParaRPr>
           </a:p>
         </p:txBody>
       </p:sp>
@@ -10440,11 +10061,6 @@
               </a:rPr>
               <a:t>Domain</a:t>
             </a:r>
-            <a:endParaRPr lang="en-US" altLang="zh-CN" sz="1200" dirty="0">
-              <a:latin typeface="华文楷体" panose="02010600040101010101" pitchFamily="2" charset="-122"/>
-              <a:ea typeface="华文楷体" panose="02010600040101010101" pitchFamily="2" charset="-122"/>
-              <a:cs typeface="Times New Roman" panose="02020603050405020304" pitchFamily="18" charset="0"/>
-            </a:endParaRPr>
           </a:p>
           <a:p>
             <a:pPr algn="ctr"/>
@@ -10769,11 +10385,6 @@
               </a:rPr>
               <a:t>Domain</a:t>
             </a:r>
-            <a:endParaRPr lang="en-US" altLang="zh-CN" sz="1200" dirty="0">
-              <a:latin typeface="华文楷体" panose="02010600040101010101" pitchFamily="2" charset="-122"/>
-              <a:ea typeface="华文楷体" panose="02010600040101010101" pitchFamily="2" charset="-122"/>
-              <a:cs typeface="Times New Roman" panose="02020603050405020304" pitchFamily="18" charset="0"/>
-            </a:endParaRPr>
           </a:p>
           <a:p>
             <a:pPr algn="ctr"/>
@@ -11098,11 +10709,6 @@
               </a:rPr>
               <a:t>Domain</a:t>
             </a:r>
-            <a:endParaRPr lang="en-US" altLang="zh-CN" sz="1200" dirty="0">
-              <a:latin typeface="华文楷体" panose="02010600040101010101" pitchFamily="2" charset="-122"/>
-              <a:ea typeface="华文楷体" panose="02010600040101010101" pitchFamily="2" charset="-122"/>
-              <a:cs typeface="Times New Roman" panose="02020603050405020304" pitchFamily="18" charset="0"/>
-            </a:endParaRPr>
           </a:p>
           <a:p>
             <a:pPr algn="ctr"/>
@@ -11528,7 +11134,7 @@
           <p:nvPr/>
         </p:nvPicPr>
         <p:blipFill>
-          <a:blip r:embed="rId1">
+          <a:blip r:embed="rId2">
             <a:extLst>
               <a:ext uri="{28A0092B-C50C-407E-A947-70E740481C1C}">
                 <a14:useLocalDpi xmlns:a14="http://schemas.microsoft.com/office/drawing/2010/main" val="0"/>
@@ -11587,11 +11193,6 @@
               </a:rPr>
               <a:t>实践</a:t>
             </a:r>
-            <a:endParaRPr lang="zh-CN" altLang="en-US" dirty="0">
-              <a:latin typeface="Times New Roman" panose="02020603050405020304" pitchFamily="18" charset="0"/>
-              <a:ea typeface="华文楷体" panose="02010600040101010101" pitchFamily="2" charset="-122"/>
-              <a:cs typeface="Times New Roman" panose="02020603050405020304" pitchFamily="18" charset="0"/>
-            </a:endParaRPr>
           </a:p>
         </p:txBody>
       </p:sp>
@@ -11611,7 +11212,7 @@
         <a:sysClr val="windowText" lastClr="000000"/>
       </a:dk1>
       <a:lt1>
-        <a:sysClr val="window" lastClr="FFFFFF"/>
+        <a:sysClr val="window" lastClr="CCE8CF"/>
       </a:lt1>
       <a:dk2>
         <a:srgbClr val="44546A"/>
@@ -11854,6 +11455,8 @@
       </a:bgFillStyleLst>
     </a:fmtScheme>
   </a:themeElements>
+  <a:objectDefaults/>
+  <a:extraClrSchemeLst/>
   <a:extLst>
     <a:ext uri="{05A4C25C-085E-4340-85A3-A5531E510DB2}">
       <thm15:themeFamily xmlns:thm15="http://schemas.microsoft.com/office/thememl/2012/main" name="Office Theme" id="{62F939B6-93AF-4DB8-9C6B-D6C7DFDC589F}" vid="{4A3C46E8-61CC-4603-A589-7422A47A8E4A}"/>
